--- a/documentation/Presentation.pptx
+++ b/documentation/Presentation.pptx
@@ -6086,10 +6086,9 @@
           <a:lstStyle/>
           <a:p>
             <a:r>
-              <a:rPr lang="en-US" sz="1600" dirty="0" err="1"/>
+              <a:rPr lang="en-US" sz="1600" dirty="0"/>
               <a:t>FastTrac</a:t>
             </a:r>
-            <a:endParaRPr lang="en-US" sz="1600" dirty="0"/>
           </a:p>
           <a:p>
             <a:r>
@@ -6387,16 +6386,20 @@
             <a:pPr lvl="1"/>
             <a:r>
               <a:rPr lang="en-US" dirty="0"/>
-              <a:t>We are pair programming to support each other since this is our first time to work with </a:t>
+              <a:t>We are pair programming to support each other as this is our first time working with </a:t>
             </a:r>
             <a:r>
               <a:rPr lang="en-US" dirty="0" err="1"/>
-              <a:t>github</a:t>
+              <a:t>Github</a:t>
             </a:r>
             <a:r>
               <a:rPr lang="en-US" dirty="0"/>
               <a:t>.</a:t>
             </a:r>
+          </a:p>
+          <a:p>
+            <a:pPr lvl="1"/>
+            <a:endParaRPr lang="en-US" dirty="0"/>
           </a:p>
           <a:p>
             <a:pPr lvl="1"/>
@@ -6484,6 +6487,45 @@
             <a:r>
               <a:rPr lang="en-US" dirty="0"/>
               <a:t>In this project, we are using Proxy Coding Style to make the project run. </a:t>
+            </a:r>
+          </a:p>
+          <a:p>
+            <a:r>
+              <a:rPr lang="en-US" dirty="0"/>
+              <a:t>We are using</a:t>
+            </a:r>
+          </a:p>
+          <a:p>
+            <a:pPr lvl="1"/>
+            <a:r>
+              <a:rPr lang="en-US" dirty="0" err="1"/>
+              <a:t>Camelcode</a:t>
+            </a:r>
+            <a:endParaRPr lang="en-US" dirty="0"/>
+          </a:p>
+          <a:p>
+            <a:pPr lvl="1"/>
+            <a:r>
+              <a:rPr lang="en-US" dirty="0" err="1"/>
+              <a:t>Sqlite</a:t>
+            </a:r>
+            <a:r>
+              <a:rPr lang="en-US" dirty="0"/>
+              <a:t>???</a:t>
+            </a:r>
+          </a:p>
+          <a:p>
+            <a:pPr lvl="1"/>
+            <a:r>
+              <a:rPr lang="en-US" dirty="0"/>
+              <a:t>Block comments</a:t>
+            </a:r>
+          </a:p>
+          <a:p>
+            <a:pPr lvl="1"/>
+            <a:r>
+              <a:rPr lang="en-US" dirty="0"/>
+              <a:t>Junit testing</a:t>
             </a:r>
           </a:p>
         </p:txBody>

--- a/documentation/Presentation.pptx
+++ b/documentation/Presentation.pptx
@@ -13,6 +13,7 @@
     <p:sldId id="263" r:id="rId7"/>
     <p:sldId id="264" r:id="rId8"/>
     <p:sldId id="261" r:id="rId9"/>
+    <p:sldId id="265" r:id="rId10"/>
   </p:sldIdLst>
   <p:sldSz cx="9144000" cy="6858000" type="screen4x3"/>
   <p:notesSz cx="6858000" cy="9144000"/>
@@ -924,7 +925,7 @@
           <a:p>
             <a:fld id="{DF428B7F-D619-024D-B115-A85C5554A4BF}" type="datetimeFigureOut">
               <a:rPr lang="en-US" smtClean="0"/>
-              <a:t>12/3/2018</a:t>
+              <a:t>12/4/2018</a:t>
             </a:fld>
             <a:endParaRPr lang="en-US"/>
           </a:p>
@@ -1175,7 +1176,7 @@
           <a:p>
             <a:fld id="{DF428B7F-D619-024D-B115-A85C5554A4BF}" type="datetimeFigureOut">
               <a:rPr lang="en-US" smtClean="0"/>
-              <a:t>12/3/2018</a:t>
+              <a:t>12/4/2018</a:t>
             </a:fld>
             <a:endParaRPr lang="en-US"/>
           </a:p>
@@ -1489,7 +1490,7 @@
           <a:p>
             <a:fld id="{DF428B7F-D619-024D-B115-A85C5554A4BF}" type="datetimeFigureOut">
               <a:rPr lang="en-US" smtClean="0"/>
-              <a:t>12/3/2018</a:t>
+              <a:t>12/4/2018</a:t>
             </a:fld>
             <a:endParaRPr lang="en-US"/>
           </a:p>
@@ -1822,7 +1823,7 @@
           <a:p>
             <a:fld id="{DF428B7F-D619-024D-B115-A85C5554A4BF}" type="datetimeFigureOut">
               <a:rPr lang="en-US" smtClean="0"/>
-              <a:t>12/3/2018</a:t>
+              <a:t>12/4/2018</a:t>
             </a:fld>
             <a:endParaRPr lang="en-US"/>
           </a:p>
@@ -2136,7 +2137,7 @@
           <a:p>
             <a:fld id="{DF428B7F-D619-024D-B115-A85C5554A4BF}" type="datetimeFigureOut">
               <a:rPr lang="en-US" smtClean="0"/>
-              <a:t>12/3/2018</a:t>
+              <a:t>12/4/2018</a:t>
             </a:fld>
             <a:endParaRPr lang="en-US"/>
           </a:p>
@@ -2529,7 +2530,7 @@
           <a:p>
             <a:fld id="{DF428B7F-D619-024D-B115-A85C5554A4BF}" type="datetimeFigureOut">
               <a:rPr lang="en-US" smtClean="0"/>
-              <a:t>12/3/2018</a:t>
+              <a:t>12/4/2018</a:t>
             </a:fld>
             <a:endParaRPr lang="en-US"/>
           </a:p>
@@ -2699,7 +2700,7 @@
           <a:p>
             <a:fld id="{DF428B7F-D619-024D-B115-A85C5554A4BF}" type="datetimeFigureOut">
               <a:rPr lang="en-US" smtClean="0"/>
-              <a:t>12/3/2018</a:t>
+              <a:t>12/4/2018</a:t>
             </a:fld>
             <a:endParaRPr lang="en-US"/>
           </a:p>
@@ -2879,7 +2880,7 @@
           <a:p>
             <a:fld id="{DF428B7F-D619-024D-B115-A85C5554A4BF}" type="datetimeFigureOut">
               <a:rPr lang="en-US" smtClean="0"/>
-              <a:t>12/3/2018</a:t>
+              <a:t>12/4/2018</a:t>
             </a:fld>
             <a:endParaRPr lang="en-US"/>
           </a:p>
@@ -3049,7 +3050,7 @@
           <a:p>
             <a:fld id="{DF428B7F-D619-024D-B115-A85C5554A4BF}" type="datetimeFigureOut">
               <a:rPr lang="en-US" smtClean="0"/>
-              <a:t>12/3/2018</a:t>
+              <a:t>12/4/2018</a:t>
             </a:fld>
             <a:endParaRPr lang="en-US"/>
           </a:p>
@@ -3296,7 +3297,7 @@
           <a:p>
             <a:fld id="{DF428B7F-D619-024D-B115-A85C5554A4BF}" type="datetimeFigureOut">
               <a:rPr lang="en-US" smtClean="0"/>
-              <a:t>12/3/2018</a:t>
+              <a:t>12/4/2018</a:t>
             </a:fld>
             <a:endParaRPr lang="en-US"/>
           </a:p>
@@ -3593,7 +3594,7 @@
           <a:p>
             <a:fld id="{DF428B7F-D619-024D-B115-A85C5554A4BF}" type="datetimeFigureOut">
               <a:rPr lang="en-US" smtClean="0"/>
-              <a:t>12/3/2018</a:t>
+              <a:t>12/4/2018</a:t>
             </a:fld>
             <a:endParaRPr lang="en-US"/>
           </a:p>
@@ -3972,7 +3973,7 @@
           <a:p>
             <a:fld id="{DF428B7F-D619-024D-B115-A85C5554A4BF}" type="datetimeFigureOut">
               <a:rPr lang="en-US" smtClean="0"/>
-              <a:t>12/3/2018</a:t>
+              <a:t>12/4/2018</a:t>
             </a:fld>
             <a:endParaRPr lang="en-US"/>
           </a:p>
@@ -4095,7 +4096,7 @@
           <a:p>
             <a:fld id="{DF428B7F-D619-024D-B115-A85C5554A4BF}" type="datetimeFigureOut">
               <a:rPr lang="en-US" smtClean="0"/>
-              <a:t>12/3/2018</a:t>
+              <a:t>12/4/2018</a:t>
             </a:fld>
             <a:endParaRPr lang="en-US"/>
           </a:p>
@@ -4190,7 +4191,7 @@
           <a:p>
             <a:fld id="{DF428B7F-D619-024D-B115-A85C5554A4BF}" type="datetimeFigureOut">
               <a:rPr lang="en-US" smtClean="0"/>
-              <a:t>12/3/2018</a:t>
+              <a:t>12/4/2018</a:t>
             </a:fld>
             <a:endParaRPr lang="en-US"/>
           </a:p>
@@ -4445,7 +4446,7 @@
           <a:p>
             <a:fld id="{DF428B7F-D619-024D-B115-A85C5554A4BF}" type="datetimeFigureOut">
               <a:rPr lang="en-US" smtClean="0"/>
-              <a:t>12/3/2018</a:t>
+              <a:t>12/4/2018</a:t>
             </a:fld>
             <a:endParaRPr lang="en-US"/>
           </a:p>
@@ -4708,7 +4709,7 @@
           <a:p>
             <a:fld id="{DF428B7F-D619-024D-B115-A85C5554A4BF}" type="datetimeFigureOut">
               <a:rPr lang="en-US" smtClean="0"/>
-              <a:t>12/3/2018</a:t>
+              <a:t>12/4/2018</a:t>
             </a:fld>
             <a:endParaRPr lang="en-US"/>
           </a:p>
@@ -5522,7 +5523,7 @@
           <a:p>
             <a:fld id="{DF428B7F-D619-024D-B115-A85C5554A4BF}" type="datetimeFigureOut">
               <a:rPr lang="en-US" smtClean="0"/>
-              <a:t>12/3/2018</a:t>
+              <a:t>12/4/2018</a:t>
             </a:fld>
             <a:endParaRPr lang="en-US"/>
           </a:p>
@@ -6822,6 +6823,89 @@
 </p:sld>
 </file>
 
+<file path=ppt/slides/slide9.xml><?xml version="1.0" encoding="utf-8"?>
+<p:sld xmlns:a="http://schemas.openxmlformats.org/drawingml/2006/main" xmlns:r="http://schemas.openxmlformats.org/officeDocument/2006/relationships" xmlns:p="http://schemas.openxmlformats.org/presentationml/2006/main">
+  <p:cSld>
+    <p:spTree>
+      <p:nvGrpSpPr>
+        <p:cNvPr id="1" name=""/>
+        <p:cNvGrpSpPr/>
+        <p:nvPr/>
+      </p:nvGrpSpPr>
+      <p:grpSpPr>
+        <a:xfrm>
+          <a:off x="0" y="0"/>
+          <a:ext cx="0" cy="0"/>
+          <a:chOff x="0" y="0"/>
+          <a:chExt cx="0" cy="0"/>
+        </a:xfrm>
+      </p:grpSpPr>
+      <p:sp>
+        <p:nvSpPr>
+          <p:cNvPr id="2" name="Title 1">
+            <a:extLst>
+              <a:ext uri="{FF2B5EF4-FFF2-40B4-BE49-F238E27FC236}">
+                <a16:creationId xmlns:a16="http://schemas.microsoft.com/office/drawing/2014/main" id="{63A910B7-A1E9-425F-91C7-4C410C4EC7C8}"/>
+              </a:ext>
+            </a:extLst>
+          </p:cNvPr>
+          <p:cNvSpPr>
+            <a:spLocks noGrp="1"/>
+          </p:cNvSpPr>
+          <p:nvPr>
+            <p:ph type="ctrTitle"/>
+          </p:nvPr>
+        </p:nvSpPr>
+        <p:spPr/>
+        <p:txBody>
+          <a:bodyPr/>
+          <a:lstStyle/>
+          <a:p>
+            <a:r>
+              <a:rPr lang="en-US"/>
+              <a:t>Questions?</a:t>
+            </a:r>
+          </a:p>
+        </p:txBody>
+      </p:sp>
+      <p:sp>
+        <p:nvSpPr>
+          <p:cNvPr id="3" name="Subtitle 2">
+            <a:extLst>
+              <a:ext uri="{FF2B5EF4-FFF2-40B4-BE49-F238E27FC236}">
+                <a16:creationId xmlns:a16="http://schemas.microsoft.com/office/drawing/2014/main" id="{F88BB991-19E2-4811-A626-E90F87755E6A}"/>
+              </a:ext>
+            </a:extLst>
+          </p:cNvPr>
+          <p:cNvSpPr>
+            <a:spLocks noGrp="1"/>
+          </p:cNvSpPr>
+          <p:nvPr>
+            <p:ph type="subTitle" idx="1"/>
+          </p:nvPr>
+        </p:nvSpPr>
+        <p:spPr/>
+        <p:txBody>
+          <a:bodyPr/>
+          <a:lstStyle/>
+          <a:p>
+            <a:endParaRPr lang="en-US" dirty="0"/>
+          </a:p>
+        </p:txBody>
+      </p:sp>
+    </p:spTree>
+    <p:extLst>
+      <p:ext uri="{BB962C8B-B14F-4D97-AF65-F5344CB8AC3E}">
+        <p14:creationId xmlns:p14="http://schemas.microsoft.com/office/powerpoint/2010/main" val="1172231472"/>
+      </p:ext>
+    </p:extLst>
+  </p:cSld>
+  <p:clrMapOvr>
+    <a:masterClrMapping/>
+  </p:clrMapOvr>
+</p:sld>
+</file>
+
 <file path=ppt/theme/theme1.xml><?xml version="1.0" encoding="utf-8"?>
 <a:theme xmlns:a="http://schemas.openxmlformats.org/drawingml/2006/main" name="Facet">
   <a:themeElements>

--- a/documentation/Presentation.pptx
+++ b/documentation/Presentation.pptx
@@ -6330,7 +6330,7 @@
           <a:p>
             <a:r>
               <a:rPr lang="en-US" dirty="0"/>
-              <a:t>Team Organization (1 min)</a:t>
+              <a:t>Team Organization</a:t>
             </a:r>
           </a:p>
         </p:txBody>
@@ -6366,15 +6366,7 @@
             <a:pPr lvl="1"/>
             <a:r>
               <a:rPr lang="en-US" dirty="0"/>
-              <a:t>We are using </a:t>
-            </a:r>
-            <a:r>
-              <a:rPr lang="en-US" dirty="0" err="1"/>
-              <a:t>Groupme</a:t>
-            </a:r>
-            <a:r>
-              <a:rPr lang="en-US" dirty="0"/>
-              <a:t> to communicate with each other.</a:t>
+              <a:t>We are using GroupMe to communicate with each other.</a:t>
             </a:r>
           </a:p>
           <a:p>
@@ -6387,15 +6379,7 @@
             <a:pPr lvl="1"/>
             <a:r>
               <a:rPr lang="en-US" dirty="0"/>
-              <a:t>We are pair programming to support each other as this is our first time working with </a:t>
-            </a:r>
-            <a:r>
-              <a:rPr lang="en-US" dirty="0" err="1"/>
-              <a:t>Github</a:t>
-            </a:r>
-            <a:r>
-              <a:rPr lang="en-US" dirty="0"/>
-              <a:t>.</a:t>
+              <a:t>We are pair programming to support each other as this is our first time working with GitHub.</a:t>
             </a:r>
           </a:p>
           <a:p>
@@ -6465,7 +6449,7 @@
           <a:p>
             <a:r>
               <a:rPr lang="en-US" dirty="0"/>
-              <a:t>Coding Styles and Comments (1 min)</a:t>
+              <a:t>Coding Styles and Comments</a:t>
             </a:r>
           </a:p>
         </p:txBody>
@@ -6499,10 +6483,9 @@
           <a:p>
             <a:pPr lvl="1"/>
             <a:r>
-              <a:rPr lang="en-US" dirty="0" err="1"/>
-              <a:t>Camelcode</a:t>
-            </a:r>
-            <a:endParaRPr lang="en-US" dirty="0"/>
+              <a:rPr lang="en-US" dirty="0"/>
+              <a:t>Camel code</a:t>
+            </a:r>
           </a:p>
           <a:p>
             <a:pPr lvl="1"/>
@@ -6510,10 +6493,7 @@
               <a:rPr lang="en-US" dirty="0" err="1"/>
               <a:t>Sqlite</a:t>
             </a:r>
-            <a:r>
-              <a:rPr lang="en-US" dirty="0"/>
-              <a:t>???</a:t>
-            </a:r>
+            <a:endParaRPr lang="en-US" dirty="0"/>
           </a:p>
           <a:p>
             <a:pPr lvl="1"/>
@@ -6608,7 +6588,7 @@
           <a:p>
             <a:r>
               <a:rPr lang="en-US" dirty="0"/>
-              <a:t>Design Pattern</a:t>
+              <a:t>Design Pattern (proxy)</a:t>
             </a:r>
           </a:p>
         </p:txBody>

--- a/documentation/Presentation.pptx
+++ b/documentation/Presentation.pptx
@@ -12,8 +12,9 @@
     <p:sldId id="260" r:id="rId6"/>
     <p:sldId id="263" r:id="rId7"/>
     <p:sldId id="264" r:id="rId8"/>
-    <p:sldId id="261" r:id="rId9"/>
-    <p:sldId id="265" r:id="rId10"/>
+    <p:sldId id="266" r:id="rId9"/>
+    <p:sldId id="261" r:id="rId10"/>
+    <p:sldId id="265" r:id="rId11"/>
   </p:sldIdLst>
   <p:sldSz cx="9144000" cy="6858000" type="screen4x3"/>
   <p:notesSz cx="6858000" cy="9144000"/>
@@ -6130,6 +6131,89 @@
 </p:sld>
 </file>
 
+<file path=ppt/slides/slide10.xml><?xml version="1.0" encoding="utf-8"?>
+<p:sld xmlns:a="http://schemas.openxmlformats.org/drawingml/2006/main" xmlns:r="http://schemas.openxmlformats.org/officeDocument/2006/relationships" xmlns:p="http://schemas.openxmlformats.org/presentationml/2006/main">
+  <p:cSld>
+    <p:spTree>
+      <p:nvGrpSpPr>
+        <p:cNvPr id="1" name=""/>
+        <p:cNvGrpSpPr/>
+        <p:nvPr/>
+      </p:nvGrpSpPr>
+      <p:grpSpPr>
+        <a:xfrm>
+          <a:off x="0" y="0"/>
+          <a:ext cx="0" cy="0"/>
+          <a:chOff x="0" y="0"/>
+          <a:chExt cx="0" cy="0"/>
+        </a:xfrm>
+      </p:grpSpPr>
+      <p:sp>
+        <p:nvSpPr>
+          <p:cNvPr id="2" name="Title 1">
+            <a:extLst>
+              <a:ext uri="{FF2B5EF4-FFF2-40B4-BE49-F238E27FC236}">
+                <a16:creationId xmlns:a16="http://schemas.microsoft.com/office/drawing/2014/main" id="{63A910B7-A1E9-425F-91C7-4C410C4EC7C8}"/>
+              </a:ext>
+            </a:extLst>
+          </p:cNvPr>
+          <p:cNvSpPr>
+            <a:spLocks noGrp="1"/>
+          </p:cNvSpPr>
+          <p:nvPr>
+            <p:ph type="ctrTitle"/>
+          </p:nvPr>
+        </p:nvSpPr>
+        <p:spPr/>
+        <p:txBody>
+          <a:bodyPr/>
+          <a:lstStyle/>
+          <a:p>
+            <a:r>
+              <a:rPr lang="en-US"/>
+              <a:t>Questions?</a:t>
+            </a:r>
+          </a:p>
+        </p:txBody>
+      </p:sp>
+      <p:sp>
+        <p:nvSpPr>
+          <p:cNvPr id="3" name="Subtitle 2">
+            <a:extLst>
+              <a:ext uri="{FF2B5EF4-FFF2-40B4-BE49-F238E27FC236}">
+                <a16:creationId xmlns:a16="http://schemas.microsoft.com/office/drawing/2014/main" id="{F88BB991-19E2-4811-A626-E90F87755E6A}"/>
+              </a:ext>
+            </a:extLst>
+          </p:cNvPr>
+          <p:cNvSpPr>
+            <a:spLocks noGrp="1"/>
+          </p:cNvSpPr>
+          <p:nvPr>
+            <p:ph type="subTitle" idx="1"/>
+          </p:nvPr>
+        </p:nvSpPr>
+        <p:spPr/>
+        <p:txBody>
+          <a:bodyPr/>
+          <a:lstStyle/>
+          <a:p>
+            <a:endParaRPr lang="en-US" dirty="0"/>
+          </a:p>
+        </p:txBody>
+      </p:sp>
+    </p:spTree>
+    <p:extLst>
+      <p:ext uri="{BB962C8B-B14F-4D97-AF65-F5344CB8AC3E}">
+        <p14:creationId xmlns:p14="http://schemas.microsoft.com/office/powerpoint/2010/main" val="1172231472"/>
+      </p:ext>
+    </p:extLst>
+  </p:cSld>
+  <p:clrMapOvr>
+    <a:masterClrMapping/>
+  </p:clrMapOvr>
+</p:sld>
+</file>
+
 <file path=ppt/slides/slide2.xml><?xml version="1.0" encoding="utf-8"?>
 <p:sld xmlns:a="http://schemas.openxmlformats.org/drawingml/2006/main" xmlns:r="http://schemas.openxmlformats.org/officeDocument/2006/relationships" xmlns:p="http://schemas.openxmlformats.org/presentationml/2006/main">
   <p:cSld>
@@ -6700,25 +6784,6 @@
           </a:p>
         </p:txBody>
       </p:sp>
-      <p:sp>
-        <p:nvSpPr>
-          <p:cNvPr id="3" name="Content Placeholder 2"/>
-          <p:cNvSpPr>
-            <a:spLocks noGrp="1"/>
-          </p:cNvSpPr>
-          <p:nvPr>
-            <p:ph idx="1"/>
-          </p:nvPr>
-        </p:nvSpPr>
-        <p:spPr/>
-        <p:txBody>
-          <a:bodyPr/>
-          <a:lstStyle/>
-          <a:p>
-            <a:endParaRPr lang="en-US" dirty="0"/>
-          </a:p>
-        </p:txBody>
-      </p:sp>
     </p:spTree>
     <p:extLst>
       <p:ext uri="{BB962C8B-B14F-4D97-AF65-F5344CB8AC3E}">
@@ -6749,51 +6814,39 @@
           <a:chExt cx="0" cy="0"/>
         </a:xfrm>
       </p:grpSpPr>
-      <p:sp>
-        <p:nvSpPr>
-          <p:cNvPr id="2" name="Title 1"/>
-          <p:cNvSpPr>
-            <a:spLocks noGrp="1"/>
-          </p:cNvSpPr>
-          <p:nvPr>
-            <p:ph type="title"/>
-          </p:nvPr>
-        </p:nvSpPr>
-        <p:spPr/>
-        <p:txBody>
-          <a:bodyPr/>
-          <a:lstStyle/>
-          <a:p>
-            <a:r>
-              <a:rPr lang="en-US" dirty="0"/>
-              <a:t>Testing </a:t>
-            </a:r>
-          </a:p>
-        </p:txBody>
-      </p:sp>
-      <p:sp>
-        <p:nvSpPr>
-          <p:cNvPr id="3" name="Content Placeholder 2"/>
-          <p:cNvSpPr>
-            <a:spLocks noGrp="1"/>
-          </p:cNvSpPr>
+      <p:pic>
+        <p:nvPicPr>
+          <p:cNvPr id="5" name="Content Placeholder 4">
+            <a:extLst>
+              <a:ext uri="{FF2B5EF4-FFF2-40B4-BE49-F238E27FC236}">
+                <a16:creationId xmlns:a16="http://schemas.microsoft.com/office/drawing/2014/main" id="{94AEC753-94B3-4AA1-8593-9A99089035F5}"/>
+              </a:ext>
+            </a:extLst>
+          </p:cNvPr>
+          <p:cNvPicPr>
+            <a:picLocks noGrp="1" noChangeAspect="1"/>
+          </p:cNvPicPr>
           <p:nvPr>
             <p:ph idx="1"/>
           </p:nvPr>
-        </p:nvSpPr>
-        <p:spPr/>
-        <p:txBody>
-          <a:bodyPr/>
-          <a:lstStyle/>
-          <a:p>
-            <a:endParaRPr lang="en-US" dirty="0"/>
-          </a:p>
-        </p:txBody>
-      </p:sp>
+        </p:nvPicPr>
+        <p:blipFill>
+          <a:blip r:embed="rId2"/>
+          <a:stretch>
+            <a:fillRect/>
+          </a:stretch>
+        </p:blipFill>
+        <p:spPr>
+          <a:xfrm>
+            <a:off x="1793289" y="35238"/>
+            <a:ext cx="4589756" cy="6787524"/>
+          </a:xfrm>
+        </p:spPr>
+      </p:pic>
     </p:spTree>
     <p:extLst>
       <p:ext uri="{BB962C8B-B14F-4D97-AF65-F5344CB8AC3E}">
-        <p14:creationId xmlns:p14="http://schemas.microsoft.com/office/powerpoint/2010/main" val="4070026832"/>
+        <p14:creationId xmlns:p14="http://schemas.microsoft.com/office/powerpoint/2010/main" val="2783347585"/>
       </p:ext>
     </p:extLst>
   </p:cSld>
@@ -6822,18 +6875,12 @@
       </p:grpSpPr>
       <p:sp>
         <p:nvSpPr>
-          <p:cNvPr id="2" name="Title 1">
-            <a:extLst>
-              <a:ext uri="{FF2B5EF4-FFF2-40B4-BE49-F238E27FC236}">
-                <a16:creationId xmlns:a16="http://schemas.microsoft.com/office/drawing/2014/main" id="{63A910B7-A1E9-425F-91C7-4C410C4EC7C8}"/>
-              </a:ext>
-            </a:extLst>
-          </p:cNvPr>
-          <p:cNvSpPr>
-            <a:spLocks noGrp="1"/>
-          </p:cNvSpPr>
-          <p:nvPr>
-            <p:ph type="ctrTitle"/>
+          <p:cNvPr id="2" name="Title 1"/>
+          <p:cNvSpPr>
+            <a:spLocks noGrp="1"/>
+          </p:cNvSpPr>
+          <p:nvPr>
+            <p:ph type="title"/>
           </p:nvPr>
         </p:nvSpPr>
         <p:spPr/>
@@ -6842,26 +6889,20 @@
           <a:lstStyle/>
           <a:p>
             <a:r>
-              <a:rPr lang="en-US"/>
-              <a:t>Questions?</a:t>
-            </a:r>
-          </a:p>
-        </p:txBody>
-      </p:sp>
-      <p:sp>
-        <p:nvSpPr>
-          <p:cNvPr id="3" name="Subtitle 2">
-            <a:extLst>
-              <a:ext uri="{FF2B5EF4-FFF2-40B4-BE49-F238E27FC236}">
-                <a16:creationId xmlns:a16="http://schemas.microsoft.com/office/drawing/2014/main" id="{F88BB991-19E2-4811-A626-E90F87755E6A}"/>
-              </a:ext>
-            </a:extLst>
-          </p:cNvPr>
-          <p:cNvSpPr>
-            <a:spLocks noGrp="1"/>
-          </p:cNvSpPr>
-          <p:nvPr>
-            <p:ph type="subTitle" idx="1"/>
+              <a:rPr lang="en-US" dirty="0"/>
+              <a:t>Testing </a:t>
+            </a:r>
+          </a:p>
+        </p:txBody>
+      </p:sp>
+      <p:sp>
+        <p:nvSpPr>
+          <p:cNvPr id="3" name="Content Placeholder 2"/>
+          <p:cNvSpPr>
+            <a:spLocks noGrp="1"/>
+          </p:cNvSpPr>
+          <p:nvPr>
+            <p:ph idx="1"/>
           </p:nvPr>
         </p:nvSpPr>
         <p:spPr/>
@@ -6876,7 +6917,7 @@
     </p:spTree>
     <p:extLst>
       <p:ext uri="{BB962C8B-B14F-4D97-AF65-F5344CB8AC3E}">
-        <p14:creationId xmlns:p14="http://schemas.microsoft.com/office/powerpoint/2010/main" val="1172231472"/>
+        <p14:creationId xmlns:p14="http://schemas.microsoft.com/office/powerpoint/2010/main" val="4070026832"/>
       </p:ext>
     </p:extLst>
   </p:cSld>

--- a/documentation/Presentation.pptx
+++ b/documentation/Presentation.pptx
@@ -6095,25 +6095,25 @@
           <a:p>
             <a:r>
               <a:rPr lang="en-US" sz="1600" dirty="0"/>
-              <a:t>DANG LA</a:t>
+              <a:t>Dang La</a:t>
             </a:r>
           </a:p>
           <a:p>
             <a:r>
               <a:rPr lang="en-US" sz="1600" dirty="0"/>
-              <a:t>ALEC BORMAN</a:t>
+              <a:t>Alec Borman</a:t>
             </a:r>
           </a:p>
           <a:p>
             <a:r>
               <a:rPr lang="en-US" sz="1600" dirty="0"/>
-              <a:t>MATTHEW</a:t>
+              <a:t>Matthew Hicks</a:t>
             </a:r>
           </a:p>
           <a:p>
             <a:r>
               <a:rPr lang="en-US" sz="1600" dirty="0"/>
-              <a:t>ROGER</a:t>
+              <a:t>Roger Chan</a:t>
             </a:r>
           </a:p>
         </p:txBody>
@@ -6339,10 +6339,10 @@
       </p:sp>
       <p:pic>
         <p:nvPicPr>
-          <p:cNvPr id="5" name="Picture 4">
+          <p:cNvPr id="4" name="Picture 3">
             <a:extLst>
               <a:ext uri="{FF2B5EF4-FFF2-40B4-BE49-F238E27FC236}">
-                <a16:creationId xmlns:a16="http://schemas.microsoft.com/office/drawing/2014/main" id="{AAD75478-B330-4023-9146-CFBAA27586C3}"/>
+                <a16:creationId xmlns:a16="http://schemas.microsoft.com/office/drawing/2014/main" id="{D2C62FE8-44B9-490C-B45A-7468937EAF1A}"/>
               </a:ext>
             </a:extLst>
           </p:cNvPr>
@@ -6359,8 +6359,8 @@
         </p:blipFill>
         <p:spPr>
           <a:xfrm>
-            <a:off x="939799" y="1270000"/>
-            <a:ext cx="6282267" cy="5105401"/>
+            <a:off x="1811683" y="1270000"/>
+            <a:ext cx="4691520" cy="5214151"/>
           </a:xfrm>
           <a:prstGeom prst="rect">
             <a:avLst/>

--- a/documentation/Presentation.pptx
+++ b/documentation/Presentation.pptx
@@ -6443,7 +6443,7 @@
             <a:pPr lvl="1"/>
             <a:r>
               <a:rPr lang="en-US" dirty="0"/>
-              <a:t>We meet once on the weekend.</a:t>
+              <a:t>We meet per week.</a:t>
             </a:r>
           </a:p>
           <a:p>
@@ -6465,6 +6465,17 @@
               <a:rPr lang="en-US" dirty="0"/>
               <a:t>We are pair programming to support each other as this is our first time working with GitHub.</a:t>
             </a:r>
+          </a:p>
+          <a:p>
+            <a:pPr lvl="1"/>
+            <a:r>
+              <a:rPr lang="en-US" dirty="0"/>
+              <a:t>Tasks were distributed via GroupMe. with the highest priority tasks being worked on first.</a:t>
+            </a:r>
+          </a:p>
+          <a:p>
+            <a:pPr lvl="1"/>
+            <a:endParaRPr lang="en-US" dirty="0"/>
           </a:p>
           <a:p>
             <a:pPr lvl="1"/>
@@ -6550,7 +6561,9 @@
         </p:nvSpPr>
         <p:spPr/>
         <p:txBody>
-          <a:bodyPr/>
+          <a:bodyPr>
+            <a:normAutofit lnSpcReduction="10000"/>
+          </a:bodyPr>
           <a:lstStyle/>
           <a:p>
             <a:r>
@@ -6568,7 +6581,7 @@
             <a:pPr lvl="1"/>
             <a:r>
               <a:rPr lang="en-US" dirty="0"/>
-              <a:t>Camel code</a:t>
+              <a:t>Camel code and underscore                                   methods</a:t>
             </a:r>
           </a:p>
           <a:p>
@@ -6591,6 +6604,27 @@
             <a:r>
               <a:rPr lang="en-US" dirty="0"/>
               <a:t>Junit testing</a:t>
+            </a:r>
+          </a:p>
+          <a:p>
+            <a:pPr lvl="1"/>
+            <a:r>
+              <a:rPr lang="en-US" dirty="0"/>
+              <a:t>Manual testing</a:t>
+            </a:r>
+          </a:p>
+          <a:p>
+            <a:pPr lvl="1"/>
+            <a:r>
+              <a:rPr lang="en-US" dirty="0"/>
+              <a:t>Paired Programming</a:t>
+            </a:r>
+          </a:p>
+          <a:p>
+            <a:pPr lvl="1"/>
+            <a:r>
+              <a:rPr lang="en-US" dirty="0"/>
+              <a:t>Heavily utilized brainstorming                                          in initial phase</a:t>
             </a:r>
           </a:p>
         </p:txBody>

--- a/documentation/Presentation.pptx
+++ b/documentation/Presentation.pptx
@@ -6808,12 +6808,33 @@
         </p:nvSpPr>
         <p:spPr/>
         <p:txBody>
-          <a:bodyPr/>
+          <a:bodyPr>
+            <a:normAutofit fontScale="90000"/>
+          </a:bodyPr>
           <a:lstStyle/>
           <a:p>
             <a:r>
               <a:rPr lang="en-US" dirty="0"/>
-              <a:t>Refactoring </a:t>
+              <a:t>Refactoring</a:t>
+            </a:r>
+            <a:br>
+              <a:rPr lang="en-US" dirty="0"/>
+            </a:br>
+            <a:br>
+              <a:rPr lang="en-US" dirty="0"/>
+            </a:br>
+            <a:br>
+              <a:rPr lang="en-US" dirty="0"/>
+            </a:br>
+            <a:br>
+              <a:rPr lang="en-US" dirty="0"/>
+            </a:br>
+            <a:br>
+              <a:rPr lang="en-US" dirty="0"/>
+            </a:br>
+            <a:r>
+              <a:rPr lang="en-US" dirty="0"/>
+              <a:t>https://github.com/Roger-Chan/3354-FastTrac/commits/master </a:t>
             </a:r>
           </a:p>
         </p:txBody>

--- a/documentation/Presentation.pptx
+++ b/documentation/Presentation.pptx
@@ -6965,6 +6965,32 @@
           <a:bodyPr/>
           <a:lstStyle/>
           <a:p>
+            <a:r>
+              <a:rPr lang="en-US" dirty="0"/>
+              <a:t>Our philosophy to testing has been to focus on getting working code first and test as much as possible during the coding process.</a:t>
+            </a:r>
+          </a:p>
+          <a:p>
+            <a:r>
+              <a:rPr lang="en-US" dirty="0"/>
+              <a:t>Because this is our first time using Junit we elected to test manually up until final debugging. </a:t>
+            </a:r>
+          </a:p>
+          <a:p>
+            <a:r>
+              <a:rPr lang="en-US" dirty="0"/>
+              <a:t>We have regularly used manual testing to fix collisions and other errors that have come up during the code writing phase of our project. </a:t>
+            </a:r>
+          </a:p>
+          <a:p>
+            <a:r>
+              <a:rPr lang="en-US" dirty="0"/>
+              <a:t>We are working diligently to have Junit testing completed </a:t>
+            </a:r>
+            <a:r>
+              <a:rPr lang="en-US"/>
+              <a:t>before the final due date.</a:t>
+            </a:r>
             <a:endParaRPr lang="en-US" dirty="0"/>
           </a:p>
         </p:txBody>

--- a/documentation/Presentation.pptx
+++ b/documentation/Presentation.pptx
@@ -14,7 +14,8 @@
     <p:sldId id="264" r:id="rId8"/>
     <p:sldId id="266" r:id="rId9"/>
     <p:sldId id="261" r:id="rId10"/>
-    <p:sldId id="265" r:id="rId11"/>
+    <p:sldId id="267" r:id="rId11"/>
+    <p:sldId id="265" r:id="rId12"/>
   </p:sldIdLst>
   <p:sldSz cx="9144000" cy="6858000" type="screen4x3"/>
   <p:notesSz cx="6858000" cy="9144000"/>
@@ -6153,6 +6154,93 @@
           <p:cNvPr id="2" name="Title 1">
             <a:extLst>
               <a:ext uri="{FF2B5EF4-FFF2-40B4-BE49-F238E27FC236}">
+                <a16:creationId xmlns:a16="http://schemas.microsoft.com/office/drawing/2014/main" id="{C5F0701F-CADA-4405-99ED-A0FD836E9700}"/>
+              </a:ext>
+            </a:extLst>
+          </p:cNvPr>
+          <p:cNvSpPr>
+            <a:spLocks noGrp="1"/>
+          </p:cNvSpPr>
+          <p:nvPr>
+            <p:ph type="title"/>
+          </p:nvPr>
+        </p:nvSpPr>
+        <p:spPr/>
+        <p:txBody>
+          <a:bodyPr/>
+          <a:lstStyle/>
+          <a:p>
+            <a:r>
+              <a:rPr lang="en-US" dirty="0"/>
+              <a:t>Junit Prototype</a:t>
+            </a:r>
+          </a:p>
+        </p:txBody>
+      </p:sp>
+      <p:pic>
+        <p:nvPicPr>
+          <p:cNvPr id="5" name="Content Placeholder 4">
+            <a:extLst>
+              <a:ext uri="{FF2B5EF4-FFF2-40B4-BE49-F238E27FC236}">
+                <a16:creationId xmlns:a16="http://schemas.microsoft.com/office/drawing/2014/main" id="{EC323573-3306-4E19-AD22-D634B3EE86D3}"/>
+              </a:ext>
+            </a:extLst>
+          </p:cNvPr>
+          <p:cNvPicPr>
+            <a:picLocks noGrp="1" noChangeAspect="1"/>
+          </p:cNvPicPr>
+          <p:nvPr>
+            <p:ph idx="1"/>
+          </p:nvPr>
+        </p:nvPicPr>
+        <p:blipFill>
+          <a:blip r:embed="rId2"/>
+          <a:stretch>
+            <a:fillRect/>
+          </a:stretch>
+        </p:blipFill>
+        <p:spPr>
+          <a:xfrm>
+            <a:off x="609600" y="2398817"/>
+            <a:ext cx="6348413" cy="3404978"/>
+          </a:xfrm>
+        </p:spPr>
+      </p:pic>
+    </p:spTree>
+    <p:extLst>
+      <p:ext uri="{BB962C8B-B14F-4D97-AF65-F5344CB8AC3E}">
+        <p14:creationId xmlns:p14="http://schemas.microsoft.com/office/powerpoint/2010/main" val="189621083"/>
+      </p:ext>
+    </p:extLst>
+  </p:cSld>
+  <p:clrMapOvr>
+    <a:masterClrMapping/>
+  </p:clrMapOvr>
+</p:sld>
+</file>
+
+<file path=ppt/slides/slide11.xml><?xml version="1.0" encoding="utf-8"?>
+<p:sld xmlns:a="http://schemas.openxmlformats.org/drawingml/2006/main" xmlns:r="http://schemas.openxmlformats.org/officeDocument/2006/relationships" xmlns:p="http://schemas.openxmlformats.org/presentationml/2006/main">
+  <p:cSld>
+    <p:spTree>
+      <p:nvGrpSpPr>
+        <p:cNvPr id="1" name=""/>
+        <p:cNvGrpSpPr/>
+        <p:nvPr/>
+      </p:nvGrpSpPr>
+      <p:grpSpPr>
+        <a:xfrm>
+          <a:off x="0" y="0"/>
+          <a:ext cx="0" cy="0"/>
+          <a:chOff x="0" y="0"/>
+          <a:chExt cx="0" cy="0"/>
+        </a:xfrm>
+      </p:grpSpPr>
+      <p:sp>
+        <p:nvSpPr>
+          <p:cNvPr id="2" name="Title 1">
+            <a:extLst>
+              <a:ext uri="{FF2B5EF4-FFF2-40B4-BE49-F238E27FC236}">
                 <a16:creationId xmlns:a16="http://schemas.microsoft.com/office/drawing/2014/main" id="{63A910B7-A1E9-425F-91C7-4C410C4EC7C8}"/>
               </a:ext>
             </a:extLst>
